--- a/Report/BlogScript presentation.pptx
+++ b/Report/BlogScript presentation.pptx
@@ -221,7 +221,7 @@
           <a:p>
             <a:fld id="{26CD895D-D788-4B08-93B3-B78EFB535739}" type="datetimeFigureOut">
               <a:rPr lang="en-IN" smtClean="0"/>
-              <a:t>27-12-2025</a:t>
+              <a:t>29-12-2025</a:t>
             </a:fld>
             <a:endParaRPr lang="en-IN"/>
           </a:p>
